--- a/lesson18.pptx
+++ b/lesson18.pptx
@@ -5,7 +5,7 @@
     <p:sldMasterId id="2147483648" r:id="rId1"/>
   </p:sldMasterIdLst>
   <p:notesMasterIdLst>
-    <p:notesMasterId r:id="rId33"/>
+    <p:notesMasterId r:id="rId34"/>
   </p:notesMasterIdLst>
   <p:sldIdLst>
     <p:sldId id="452" r:id="rId2"/>
@@ -35,10 +35,11 @@
     <p:sldId id="410" r:id="rId26"/>
     <p:sldId id="444" r:id="rId27"/>
     <p:sldId id="465" r:id="rId28"/>
-    <p:sldId id="464" r:id="rId29"/>
-    <p:sldId id="445" r:id="rId30"/>
-    <p:sldId id="383" r:id="rId31"/>
-    <p:sldId id="760" r:id="rId32"/>
+    <p:sldId id="761" r:id="rId29"/>
+    <p:sldId id="464" r:id="rId30"/>
+    <p:sldId id="445" r:id="rId31"/>
+    <p:sldId id="383" r:id="rId32"/>
+    <p:sldId id="760" r:id="rId33"/>
   </p:sldIdLst>
   <p:sldSz cx="12192000" cy="6858000"/>
   <p:notesSz cx="6858000" cy="9144000"/>
@@ -159,13 +160,85 @@
 <file path=ppt/revisionInfo.xml><?xml version="1.0" encoding="utf-8"?>
 <p1510:revInfo xmlns:a="http://schemas.openxmlformats.org/drawingml/2006/main" xmlns:r="http://schemas.openxmlformats.org/officeDocument/2006/relationships" xmlns:p1510="http://schemas.microsoft.com/office/powerpoint/2015/10/main">
   <p1510:revLst>
-    <p1510:client id="{3B6AB9AD-832F-446C-BF51-94F151F27E74}" v="13" dt="2022-02-07T07:07:35.678"/>
+    <p1510:client id="{9C088DB7-EAC8-4AC9-B4D0-8F45CBBDF87B}" v="5" dt="2023-11-14T07:37:40.774"/>
   </p1510:revLst>
 </p1510:revInfo>
 </file>
 
 <file path=ppt/changesInfos/changesInfo1.xml><?xml version="1.0" encoding="utf-8"?>
 <pc:chgInfo xmlns:a="http://schemas.openxmlformats.org/drawingml/2006/main" xmlns:r="http://schemas.openxmlformats.org/officeDocument/2006/relationships" xmlns:ac="http://schemas.microsoft.com/office/drawing/2013/main/command" xmlns:pc="http://schemas.microsoft.com/office/powerpoint/2013/main/command">
+  <pc:docChgLst>
+    <pc:chgData name="Anatoliy Kigel" userId="7432c6c4687b0a9c" providerId="LiveId" clId="{9C088DB7-EAC8-4AC9-B4D0-8F45CBBDF87B}"/>
+    <pc:docChg chg="custSel addSld modSld">
+      <pc:chgData name="Anatoliy Kigel" userId="7432c6c4687b0a9c" providerId="LiveId" clId="{9C088DB7-EAC8-4AC9-B4D0-8F45CBBDF87B}" dt="2023-11-14T07:38:02.818" v="129" actId="1037"/>
+      <pc:docMkLst>
+        <pc:docMk/>
+      </pc:docMkLst>
+      <pc:sldChg chg="addSp delSp modSp add mod">
+        <pc:chgData name="Anatoliy Kigel" userId="7432c6c4687b0a9c" providerId="LiveId" clId="{9C088DB7-EAC8-4AC9-B4D0-8F45CBBDF87B}" dt="2023-11-14T07:38:02.818" v="129" actId="1037"/>
+        <pc:sldMkLst>
+          <pc:docMk/>
+          <pc:sldMk cId="3918066561" sldId="761"/>
+        </pc:sldMkLst>
+        <pc:spChg chg="del mod">
+          <ac:chgData name="Anatoliy Kigel" userId="7432c6c4687b0a9c" providerId="LiveId" clId="{9C088DB7-EAC8-4AC9-B4D0-8F45CBBDF87B}" dt="2023-11-14T07:37:38.667" v="119" actId="21"/>
+          <ac:spMkLst>
+            <pc:docMk/>
+            <pc:sldMk cId="3918066561" sldId="761"/>
+            <ac:spMk id="3" creationId="{00000000-0000-0000-0000-000000000000}"/>
+          </ac:spMkLst>
+        </pc:spChg>
+        <pc:spChg chg="del mod">
+          <ac:chgData name="Anatoliy Kigel" userId="7432c6c4687b0a9c" providerId="LiveId" clId="{9C088DB7-EAC8-4AC9-B4D0-8F45CBBDF87B}" dt="2023-11-14T07:36:29.359" v="102" actId="478"/>
+          <ac:spMkLst>
+            <pc:docMk/>
+            <pc:sldMk cId="3918066561" sldId="761"/>
+            <ac:spMk id="4" creationId="{00000000-0000-0000-0000-000000000000}"/>
+          </ac:spMkLst>
+        </pc:spChg>
+        <pc:spChg chg="add mod">
+          <ac:chgData name="Anatoliy Kigel" userId="7432c6c4687b0a9c" providerId="LiveId" clId="{9C088DB7-EAC8-4AC9-B4D0-8F45CBBDF87B}" dt="2023-11-14T07:37:52.407" v="126" actId="1035"/>
+          <ac:spMkLst>
+            <pc:docMk/>
+            <pc:sldMk cId="3918066561" sldId="761"/>
+            <ac:spMk id="5" creationId="{4E3EDE1B-0BF4-12C0-F1C9-C467E43B1747}"/>
+          </ac:spMkLst>
+        </pc:spChg>
+        <pc:spChg chg="add mod">
+          <ac:chgData name="Anatoliy Kigel" userId="7432c6c4687b0a9c" providerId="LiveId" clId="{9C088DB7-EAC8-4AC9-B4D0-8F45CBBDF87B}" dt="2023-11-14T07:37:40.774" v="120"/>
+          <ac:spMkLst>
+            <pc:docMk/>
+            <pc:sldMk cId="3918066561" sldId="761"/>
+            <ac:spMk id="11" creationId="{B7953043-2886-45A7-0307-FACB0C1A71AD}"/>
+          </ac:spMkLst>
+        </pc:spChg>
+        <pc:picChg chg="add mod">
+          <ac:chgData name="Anatoliy Kigel" userId="7432c6c4687b0a9c" providerId="LiveId" clId="{9C088DB7-EAC8-4AC9-B4D0-8F45CBBDF87B}" dt="2023-11-14T07:37:43.033" v="121" actId="1076"/>
+          <ac:picMkLst>
+            <pc:docMk/>
+            <pc:sldMk cId="3918066561" sldId="761"/>
+            <ac:picMk id="8" creationId="{2A4512AD-DBCA-6927-E509-C2491D7FB422}"/>
+          </ac:picMkLst>
+        </pc:picChg>
+        <pc:picChg chg="add mod">
+          <ac:chgData name="Anatoliy Kigel" userId="7432c6c4687b0a9c" providerId="LiveId" clId="{9C088DB7-EAC8-4AC9-B4D0-8F45CBBDF87B}" dt="2023-11-14T07:38:02.818" v="129" actId="1037"/>
+          <ac:picMkLst>
+            <pc:docMk/>
+            <pc:sldMk cId="3918066561" sldId="761"/>
+            <ac:picMk id="10" creationId="{0AE5B1A7-CD8E-7126-41DD-9349E4A198D1}"/>
+          </ac:picMkLst>
+        </pc:picChg>
+        <pc:picChg chg="del">
+          <ac:chgData name="Anatoliy Kigel" userId="7432c6c4687b0a9c" providerId="LiveId" clId="{9C088DB7-EAC8-4AC9-B4D0-8F45CBBDF87B}" dt="2023-11-14T07:35:52.862" v="9" actId="478"/>
+          <ac:picMkLst>
+            <pc:docMk/>
+            <pc:sldMk cId="3918066561" sldId="761"/>
+            <ac:picMk id="1026" creationId="{00000000-0000-0000-0000-000000000000}"/>
+          </ac:picMkLst>
+        </pc:picChg>
+      </pc:sldChg>
+    </pc:docChg>
+  </pc:docChgLst>
   <pc:docChgLst>
     <pc:chgData name="Anatoliy Kigel" userId="7432c6c4687b0a9c" providerId="LiveId" clId="{3B6AB9AD-832F-446C-BF51-94F151F27E74}"/>
     <pc:docChg chg="undo redo custSel addSld delSld modSld">
@@ -321,7 +394,7 @@
             <a:fld id="{85522811-C5C6-42D2-A409-F8556720C93F}" type="datetimeFigureOut">
               <a:rPr lang="uk-UA" smtClean="0"/>
               <a:pPr/>
-              <a:t>07.02.2022</a:t>
+              <a:t>14.11.2023</a:t>
             </a:fld>
             <a:endParaRPr lang="uk-UA"/>
           </a:p>
@@ -1036,7 +1109,7 @@
             <a:fld id="{0A2E6AC4-C3FE-4E70-88D1-136405B25267}" type="datetime1">
               <a:rPr lang="uk-UA" smtClean="0"/>
               <a:pPr/>
-              <a:t>07.02.2022</a:t>
+              <a:t>14.11.2023</a:t>
             </a:fld>
             <a:endParaRPr lang="uk-UA"/>
           </a:p>
@@ -1203,7 +1276,7 @@
             <a:fld id="{B4D85949-5AE9-41F1-B18C-DA1006B0E8CC}" type="datetime1">
               <a:rPr lang="uk-UA" smtClean="0"/>
               <a:pPr/>
-              <a:t>07.02.2022</a:t>
+              <a:t>14.11.2023</a:t>
             </a:fld>
             <a:endParaRPr lang="uk-UA"/>
           </a:p>
@@ -1380,7 +1453,7 @@
             <a:fld id="{B20C227C-94C5-4BA1-A89C-1C7570144B22}" type="datetime1">
               <a:rPr lang="uk-UA" smtClean="0"/>
               <a:pPr/>
-              <a:t>07.02.2022</a:t>
+              <a:t>14.11.2023</a:t>
             </a:fld>
             <a:endParaRPr lang="uk-UA"/>
           </a:p>
@@ -1547,7 +1620,7 @@
             <a:fld id="{68E2E168-B245-4D8D-8538-B29990DBF87B}" type="datetime1">
               <a:rPr lang="uk-UA" smtClean="0"/>
               <a:pPr/>
-              <a:t>07.02.2022</a:t>
+              <a:t>14.11.2023</a:t>
             </a:fld>
             <a:endParaRPr lang="uk-UA"/>
           </a:p>
@@ -1790,7 +1863,7 @@
             <a:fld id="{356DAF6E-7007-4E61-B36E-794BF232B234}" type="datetime1">
               <a:rPr lang="uk-UA" smtClean="0"/>
               <a:pPr/>
-              <a:t>07.02.2022</a:t>
+              <a:t>14.11.2023</a:t>
             </a:fld>
             <a:endParaRPr lang="uk-UA"/>
           </a:p>
@@ -2075,7 +2148,7 @@
             <a:fld id="{4B2141DD-FE72-44AA-B946-B70892F1F5B7}" type="datetime1">
               <a:rPr lang="uk-UA" smtClean="0"/>
               <a:pPr/>
-              <a:t>07.02.2022</a:t>
+              <a:t>14.11.2023</a:t>
             </a:fld>
             <a:endParaRPr lang="uk-UA"/>
           </a:p>
@@ -2494,7 +2567,7 @@
             <a:fld id="{D1C4DC7C-6CC4-4D1F-A21B-A650800E0532}" type="datetime1">
               <a:rPr lang="uk-UA" smtClean="0"/>
               <a:pPr/>
-              <a:t>07.02.2022</a:t>
+              <a:t>14.11.2023</a:t>
             </a:fld>
             <a:endParaRPr lang="uk-UA"/>
           </a:p>
@@ -2609,7 +2682,7 @@
             <a:fld id="{09E753FA-BE70-4E9D-A1A2-A798C2E22C2C}" type="datetime1">
               <a:rPr lang="uk-UA" smtClean="0"/>
               <a:pPr/>
-              <a:t>07.02.2022</a:t>
+              <a:t>14.11.2023</a:t>
             </a:fld>
             <a:endParaRPr lang="uk-UA"/>
           </a:p>
@@ -2701,7 +2774,7 @@
             <a:fld id="{BC4E9D1B-A194-48C6-B5A1-4C29D0F81227}" type="datetime1">
               <a:rPr lang="uk-UA" smtClean="0"/>
               <a:pPr/>
-              <a:t>07.02.2022</a:t>
+              <a:t>14.11.2023</a:t>
             </a:fld>
             <a:endParaRPr lang="uk-UA"/>
           </a:p>
@@ -2975,7 +3048,7 @@
             <a:fld id="{98DC5B78-3AEE-4E8C-84A2-DF8B252C6B7D}" type="datetime1">
               <a:rPr lang="uk-UA" smtClean="0"/>
               <a:pPr/>
-              <a:t>07.02.2022</a:t>
+              <a:t>14.11.2023</a:t>
             </a:fld>
             <a:endParaRPr lang="uk-UA"/>
           </a:p>
@@ -3225,7 +3298,7 @@
             <a:fld id="{08E6AC05-7690-4D29-B090-15CFA8055B58}" type="datetime1">
               <a:rPr lang="uk-UA" smtClean="0"/>
               <a:pPr/>
-              <a:t>07.02.2022</a:t>
+              <a:t>14.11.2023</a:t>
             </a:fld>
             <a:endParaRPr lang="uk-UA"/>
           </a:p>
@@ -3435,7 +3508,7 @@
             <a:fld id="{C4778AB5-85A2-4D58-9351-A198925B541D}" type="datetime1">
               <a:rPr lang="uk-UA" smtClean="0"/>
               <a:pPr/>
-              <a:t>07.02.2022</a:t>
+              <a:t>14.11.2023</a:t>
             </a:fld>
             <a:endParaRPr lang="uk-UA"/>
           </a:p>
@@ -7719,67 +7792,217 @@
       </p:grpSpPr>
       <p:sp>
         <p:nvSpPr>
-          <p:cNvPr id="5" name="Прямоугольник 4"/>
-          <p:cNvSpPr/>
+          <p:cNvPr id="7" name="Номер слайда 36"/>
+          <p:cNvSpPr txBox="1">
+            <a:spLocks/>
+          </p:cNvSpPr>
           <p:nvPr/>
         </p:nvSpPr>
         <p:spPr>
           <a:xfrm>
-            <a:off x="0" y="0"/>
-            <a:ext cx="12192000" cy="6858000"/>
-          </a:xfrm>
-          <a:prstGeom prst="rect">
+            <a:off x="11208568" y="6093296"/>
+            <a:ext cx="648072" cy="432048"/>
+          </a:xfrm>
+          <a:prstGeom prst="roundRect">
             <a:avLst/>
           </a:prstGeom>
-          <a:solidFill>
-            <a:schemeClr val="tx2">
-              <a:lumMod val="75000"/>
-            </a:schemeClr>
-          </a:solidFill>
+          <a:ln w="25400" cap="flat" cmpd="sng" algn="ctr">
+            <a:solidFill>
+              <a:schemeClr val="tx2">
+                <a:lumMod val="60000"/>
+                <a:lumOff val="40000"/>
+              </a:schemeClr>
+            </a:solidFill>
+            <a:prstDash val="solid"/>
+          </a:ln>
         </p:spPr>
         <p:style>
           <a:lnRef idx="2">
-            <a:schemeClr val="accent1">
-              <a:shade val="50000"/>
-            </a:schemeClr>
+            <a:schemeClr val="accent1"/>
           </a:lnRef>
           <a:fillRef idx="1">
-            <a:schemeClr val="accent1"/>
+            <a:schemeClr val="lt1"/>
           </a:fillRef>
           <a:effectRef idx="0">
             <a:schemeClr val="accent1"/>
           </a:effectRef>
           <a:fontRef idx="minor">
-            <a:schemeClr val="lt1"/>
+            <a:schemeClr val="dk1"/>
           </a:fontRef>
         </p:style>
         <p:txBody>
-          <a:bodyPr rtlCol="0" anchor="ctr"/>
-          <a:lstStyle/>
-          <a:p>
-            <a:pPr algn="ctr"/>
-            <a:r>
-              <a:rPr lang="ru-RU" sz="6000" b="1" dirty="0"/>
-              <a:t>Домашнее задание</a:t>
-            </a:r>
-          </a:p>
-          <a:p>
-            <a:pPr algn="ctr"/>
-            <a:r>
-              <a:rPr lang="ru-RU" sz="6000" b="1" dirty="0">
+          <a:bodyPr vert="horz" lIns="91440" tIns="45720" rIns="91440" bIns="45720" rtlCol="0" anchor="ctr"/>
+          <a:lstStyle/>
+          <a:p>
+            <a:pPr algn="ctr">
+              <a:defRPr/>
+            </a:pPr>
+            <a:fld id="{6389AA22-90B4-448C-8B6B-C699140D38B9}" type="slidenum">
+              <a:rPr lang="uk-UA" sz="2400" b="1">
                 <a:solidFill>
-                  <a:srgbClr val="92D050"/>
+                  <a:schemeClr val="bg1">
+                    <a:lumMod val="50000"/>
+                  </a:schemeClr>
                 </a:solidFill>
               </a:rPr>
-              <a:t>Тренируемся!</a:t>
-            </a:r>
+              <a:pPr algn="ctr">
+                <a:defRPr/>
+              </a:pPr>
+              <a:t>28</a:t>
+            </a:fld>
+            <a:endParaRPr lang="uk-UA" sz="2400" b="1" dirty="0">
+              <a:solidFill>
+                <a:schemeClr val="bg1">
+                  <a:lumMod val="50000"/>
+                </a:schemeClr>
+              </a:solidFill>
+            </a:endParaRPr>
+          </a:p>
+        </p:txBody>
+      </p:sp>
+      <p:sp>
+        <p:nvSpPr>
+          <p:cNvPr id="5" name="TextBox 4">
+            <a:extLst>
+              <a:ext uri="{FF2B5EF4-FFF2-40B4-BE49-F238E27FC236}">
+                <a16:creationId xmlns:a16="http://schemas.microsoft.com/office/drawing/2014/main" id="{4E3EDE1B-0BF4-12C0-F1C9-C467E43B1747}"/>
+              </a:ext>
+            </a:extLst>
+          </p:cNvPr>
+          <p:cNvSpPr txBox="1"/>
+          <p:nvPr/>
+        </p:nvSpPr>
+        <p:spPr>
+          <a:xfrm>
+            <a:off x="0" y="5949280"/>
+            <a:ext cx="12192000" cy="523220"/>
+          </a:xfrm>
+          <a:prstGeom prst="rect">
+            <a:avLst/>
+          </a:prstGeom>
+          <a:noFill/>
+        </p:spPr>
+        <p:txBody>
+          <a:bodyPr wrap="square">
+            <a:spAutoFit/>
+          </a:bodyPr>
+          <a:lstStyle/>
+          <a:p>
+            <a:pPr algn="ctr"/>
+            <a:r>
+              <a:rPr lang="uk-UA" sz="2800" b="1" dirty="0">
+                <a:hlinkClick r:id="rId2"/>
+              </a:rPr>
+              <a:t>https://uk.javascript.info/</a:t>
+            </a:r>
+            <a:endParaRPr lang="uk-UA" sz="2800" b="1" dirty="0"/>
+          </a:p>
+        </p:txBody>
+      </p:sp>
+      <p:pic>
+        <p:nvPicPr>
+          <p:cNvPr id="8" name="Рисунок 7">
+            <a:extLst>
+              <a:ext uri="{FF2B5EF4-FFF2-40B4-BE49-F238E27FC236}">
+                <a16:creationId xmlns:a16="http://schemas.microsoft.com/office/drawing/2014/main" id="{2A4512AD-DBCA-6927-E509-C2491D7FB422}"/>
+              </a:ext>
+            </a:extLst>
+          </p:cNvPr>
+          <p:cNvPicPr>
+            <a:picLocks noChangeAspect="1"/>
+          </p:cNvPicPr>
+          <p:nvPr/>
+        </p:nvPicPr>
+        <p:blipFill>
+          <a:blip r:embed="rId3"/>
+          <a:stretch>
+            <a:fillRect/>
+          </a:stretch>
+        </p:blipFill>
+        <p:spPr>
+          <a:xfrm>
+            <a:off x="3827748" y="675751"/>
+            <a:ext cx="4536504" cy="1280151"/>
+          </a:xfrm>
+          <a:prstGeom prst="rect">
+            <a:avLst/>
+          </a:prstGeom>
+        </p:spPr>
+      </p:pic>
+      <p:pic>
+        <p:nvPicPr>
+          <p:cNvPr id="10" name="Рисунок 9">
+            <a:extLst>
+              <a:ext uri="{FF2B5EF4-FFF2-40B4-BE49-F238E27FC236}">
+                <a16:creationId xmlns:a16="http://schemas.microsoft.com/office/drawing/2014/main" id="{0AE5B1A7-CD8E-7126-41DD-9349E4A198D1}"/>
+              </a:ext>
+            </a:extLst>
+          </p:cNvPr>
+          <p:cNvPicPr>
+            <a:picLocks noChangeAspect="1"/>
+          </p:cNvPicPr>
+          <p:nvPr/>
+        </p:nvPicPr>
+        <p:blipFill>
+          <a:blip r:embed="rId4"/>
+          <a:stretch>
+            <a:fillRect/>
+          </a:stretch>
+        </p:blipFill>
+        <p:spPr>
+          <a:xfrm>
+            <a:off x="3935760" y="1955902"/>
+            <a:ext cx="4371084" cy="3736794"/>
+          </a:xfrm>
+          <a:prstGeom prst="rect">
+            <a:avLst/>
+          </a:prstGeom>
+        </p:spPr>
+      </p:pic>
+      <p:sp>
+        <p:nvSpPr>
+          <p:cNvPr id="11" name="Прямоугольник 2">
+            <a:extLst>
+              <a:ext uri="{FF2B5EF4-FFF2-40B4-BE49-F238E27FC236}">
+                <a16:creationId xmlns:a16="http://schemas.microsoft.com/office/drawing/2014/main" id="{B7953043-2886-45A7-0307-FACB0C1A71AD}"/>
+              </a:ext>
+            </a:extLst>
+          </p:cNvPr>
+          <p:cNvSpPr/>
+          <p:nvPr/>
+        </p:nvSpPr>
+        <p:spPr>
+          <a:xfrm>
+            <a:off x="0" y="334397"/>
+            <a:ext cx="12192000" cy="646331"/>
+          </a:xfrm>
+          <a:prstGeom prst="rect">
+            <a:avLst/>
+          </a:prstGeom>
+        </p:spPr>
+        <p:txBody>
+          <a:bodyPr wrap="square">
+            <a:spAutoFit/>
+          </a:bodyPr>
+          <a:lstStyle/>
+          <a:p>
+            <a:pPr algn="ctr"/>
+            <a:r>
+              <a:rPr lang="ru-RU" sz="3600" b="1" dirty="0"/>
+              <a:t>«Учебник» по </a:t>
+            </a:r>
+            <a:r>
+              <a:rPr lang="en-US" sz="3600" b="1" dirty="0"/>
+              <a:t>JavaScript</a:t>
+            </a:r>
+            <a:endParaRPr lang="ru-RU" sz="2400" b="1" dirty="0"/>
           </a:p>
         </p:txBody>
       </p:sp>
     </p:spTree>
     <p:extLst>
       <p:ext uri="{BB962C8B-B14F-4D97-AF65-F5344CB8AC3E}">
-        <p14:creationId xmlns:p14="http://schemas.microsoft.com/office/powerpoint/2010/main" val="1815961251"/>
+        <p14:creationId xmlns:p14="http://schemas.microsoft.com/office/powerpoint/2010/main" val="3918066561"/>
       </p:ext>
     </p:extLst>
   </p:cSld>
@@ -7808,272 +8031,59 @@
       </p:grpSpPr>
       <p:sp>
         <p:nvSpPr>
-          <p:cNvPr id="7" name="Номер слайда 36"/>
-          <p:cNvSpPr txBox="1">
-            <a:spLocks/>
-          </p:cNvSpPr>
+          <p:cNvPr id="5" name="Прямоугольник 4"/>
+          <p:cNvSpPr/>
           <p:nvPr/>
         </p:nvSpPr>
         <p:spPr>
           <a:xfrm>
-            <a:off x="11280576" y="6165304"/>
-            <a:ext cx="648072" cy="432048"/>
-          </a:xfrm>
-          <a:prstGeom prst="roundRect">
+            <a:off x="0" y="0"/>
+            <a:ext cx="12192000" cy="6858000"/>
+          </a:xfrm>
+          <a:prstGeom prst="rect">
             <a:avLst/>
           </a:prstGeom>
-          <a:ln w="25400" cap="flat" cmpd="sng" algn="ctr">
-            <a:solidFill>
-              <a:schemeClr val="tx2">
-                <a:lumMod val="60000"/>
-                <a:lumOff val="40000"/>
-              </a:schemeClr>
-            </a:solidFill>
-            <a:prstDash val="solid"/>
-          </a:ln>
+          <a:solidFill>
+            <a:schemeClr val="tx2">
+              <a:lumMod val="75000"/>
+            </a:schemeClr>
+          </a:solidFill>
         </p:spPr>
         <p:style>
           <a:lnRef idx="2">
-            <a:schemeClr val="accent1"/>
+            <a:schemeClr val="accent1">
+              <a:shade val="50000"/>
+            </a:schemeClr>
           </a:lnRef>
           <a:fillRef idx="1">
-            <a:schemeClr val="lt1"/>
+            <a:schemeClr val="accent1"/>
           </a:fillRef>
           <a:effectRef idx="0">
             <a:schemeClr val="accent1"/>
           </a:effectRef>
           <a:fontRef idx="minor">
-            <a:schemeClr val="dk1"/>
+            <a:schemeClr val="lt1"/>
           </a:fontRef>
         </p:style>
         <p:txBody>
-          <a:bodyPr vert="horz" lIns="91440" tIns="45720" rIns="91440" bIns="45720" rtlCol="0" anchor="ctr"/>
-          <a:lstStyle/>
-          <a:p>
-            <a:pPr algn="ctr">
-              <a:defRPr/>
-            </a:pPr>
-            <a:fld id="{6389AA22-90B4-448C-8B6B-C699140D38B9}" type="slidenum">
-              <a:rPr lang="uk-UA" sz="2400" b="1">
+          <a:bodyPr rtlCol="0" anchor="ctr"/>
+          <a:lstStyle/>
+          <a:p>
+            <a:pPr algn="ctr"/>
+            <a:r>
+              <a:rPr lang="ru-RU" sz="6000" b="1" dirty="0"/>
+              <a:t>Домашнее задание</a:t>
+            </a:r>
+          </a:p>
+          <a:p>
+            <a:pPr algn="ctr"/>
+            <a:r>
+              <a:rPr lang="ru-RU" sz="6000" b="1" dirty="0">
                 <a:solidFill>
-                  <a:schemeClr val="bg1">
-                    <a:lumMod val="50000"/>
-                  </a:schemeClr>
+                  <a:srgbClr val="92D050"/>
                 </a:solidFill>
               </a:rPr>
-              <a:pPr algn="ctr">
-                <a:defRPr/>
-              </a:pPr>
-              <a:t>29</a:t>
-            </a:fld>
-            <a:endParaRPr lang="uk-UA" sz="2400" b="1" dirty="0">
-              <a:solidFill>
-                <a:schemeClr val="bg1">
-                  <a:lumMod val="50000"/>
-                </a:schemeClr>
-              </a:solidFill>
-            </a:endParaRPr>
-          </a:p>
-        </p:txBody>
-      </p:sp>
-      <p:sp>
-        <p:nvSpPr>
-          <p:cNvPr id="6" name="TextBox 5"/>
-          <p:cNvSpPr txBox="1"/>
-          <p:nvPr/>
-        </p:nvSpPr>
-        <p:spPr>
-          <a:xfrm>
-            <a:off x="0" y="332656"/>
-            <a:ext cx="12192000" cy="523220"/>
-          </a:xfrm>
-          <a:prstGeom prst="rect">
-            <a:avLst/>
-          </a:prstGeom>
-          <a:noFill/>
-        </p:spPr>
-        <p:txBody>
-          <a:bodyPr wrap="square" rtlCol="0">
-            <a:spAutoFit/>
-          </a:bodyPr>
-          <a:lstStyle/>
-          <a:p>
-            <a:pPr algn="ctr"/>
-            <a:r>
-              <a:rPr lang="ru-RU" sz="2800" b="1" dirty="0"/>
-              <a:t>Программирование ремесло и требует тренировки…</a:t>
-            </a:r>
-            <a:endParaRPr lang="uk-UA" sz="2800" b="1" dirty="0"/>
-          </a:p>
-        </p:txBody>
-      </p:sp>
-      <p:pic>
-        <p:nvPicPr>
-          <p:cNvPr id="1028" name="Picture 4" descr="Результат пошуку зображень за запитом programming&quot;"/>
-          <p:cNvPicPr>
-            <a:picLocks noChangeAspect="1" noChangeArrowheads="1"/>
-          </p:cNvPicPr>
-          <p:nvPr/>
-        </p:nvPicPr>
-        <p:blipFill>
-          <a:blip r:embed="rId2">
-            <a:extLst>
-              <a:ext uri="{28A0092B-C50C-407E-A947-70E740481C1C}">
-                <a14:useLocalDpi xmlns:a14="http://schemas.microsoft.com/office/drawing/2010/main" val="0"/>
-              </a:ext>
-            </a:extLst>
-          </a:blip>
-          <a:srcRect/>
-          <a:stretch>
-            <a:fillRect/>
-          </a:stretch>
-        </p:blipFill>
-        <p:spPr bwMode="auto">
-          <a:xfrm>
-            <a:off x="7715149" y="1593304"/>
-            <a:ext cx="4017684" cy="3325750"/>
-          </a:xfrm>
-          <a:prstGeom prst="rect">
-            <a:avLst/>
-          </a:prstGeom>
-          <a:ln>
-            <a:noFill/>
-          </a:ln>
-          <a:effectLst>
-            <a:outerShdw blurRad="292100" dist="139700" dir="2700000" algn="tl" rotWithShape="0">
-              <a:srgbClr val="333333">
-                <a:alpha val="65000"/>
-              </a:srgbClr>
-            </a:outerShdw>
-          </a:effectLst>
-          <a:extLst>
-            <a:ext uri="{909E8E84-426E-40DD-AFC4-6F175D3DCCD1}">
-              <a14:hiddenFill xmlns:a14="http://schemas.microsoft.com/office/drawing/2010/main">
-                <a:solidFill>
-                  <a:srgbClr val="FFFFFF"/>
-                </a:solidFill>
-              </a14:hiddenFill>
-            </a:ext>
-          </a:extLst>
-        </p:spPr>
-      </p:pic>
-      <p:pic>
-        <p:nvPicPr>
-          <p:cNvPr id="4" name="Рисунок 3"/>
-          <p:cNvPicPr>
-            <a:picLocks noChangeAspect="1"/>
-          </p:cNvPicPr>
-          <p:nvPr/>
-        </p:nvPicPr>
-        <p:blipFill rotWithShape="1">
-          <a:blip r:embed="rId3"/>
-          <a:srcRect l="6097" r="2453"/>
-          <a:stretch/>
-        </p:blipFill>
-        <p:spPr>
-          <a:xfrm>
-            <a:off x="7032104" y="5659823"/>
-            <a:ext cx="1366091" cy="975793"/>
-          </a:xfrm>
-          <a:prstGeom prst="rect">
-            <a:avLst/>
-          </a:prstGeom>
-        </p:spPr>
-      </p:pic>
-      <p:sp>
-        <p:nvSpPr>
-          <p:cNvPr id="9" name="Прямоугольник 8"/>
-          <p:cNvSpPr/>
-          <p:nvPr/>
-        </p:nvSpPr>
-        <p:spPr>
-          <a:xfrm>
-            <a:off x="695400" y="1026016"/>
-            <a:ext cx="6663164" cy="5355312"/>
-          </a:xfrm>
-          <a:prstGeom prst="rect">
-            <a:avLst/>
-          </a:prstGeom>
-        </p:spPr>
-        <p:txBody>
-          <a:bodyPr wrap="square">
-            <a:spAutoFit/>
-          </a:bodyPr>
-          <a:lstStyle/>
-          <a:p>
-            <a:r>
-              <a:rPr lang="ru-RU" i="1" dirty="0"/>
-              <a:t>1) Задаётся сторона квадрата. Найти его периметр;</a:t>
-            </a:r>
-          </a:p>
-          <a:p>
-            <a:endParaRPr lang="ru-RU" i="1" dirty="0"/>
-          </a:p>
-          <a:p>
-            <a:r>
-              <a:rPr lang="ru-RU" i="1" dirty="0"/>
-              <a:t>2) Задаётся длина ребра куба. Найти объем куба и площадь его боковой поверхности;</a:t>
-            </a:r>
-          </a:p>
-          <a:p>
-            <a:endParaRPr lang="ru-RU" i="1" dirty="0"/>
-          </a:p>
-          <a:p>
-            <a:r>
-              <a:rPr lang="ru-RU" i="1" dirty="0"/>
-              <a:t>3) Задаётся радиус окружности. Найти длину окружности и площадь круга;</a:t>
-            </a:r>
-          </a:p>
-          <a:p>
-            <a:endParaRPr lang="ru-RU" i="1" dirty="0"/>
-          </a:p>
-          <a:p>
-            <a:r>
-              <a:rPr lang="ru-RU" i="1" dirty="0"/>
-              <a:t>4) Задаются объем и масса вещества. Определить плотность материала этого вещества;</a:t>
-            </a:r>
-          </a:p>
-          <a:p>
-            <a:endParaRPr lang="ru-RU" i="1" dirty="0"/>
-          </a:p>
-          <a:p>
-            <a:r>
-              <a:rPr lang="ru-RU" i="1" dirty="0"/>
-              <a:t>5) Известны количество жителей в государстве и площадь его территории (в км2). Определить плотность населения в этом государстве.</a:t>
-            </a:r>
-          </a:p>
-          <a:p>
-            <a:endParaRPr lang="ru-RU" i="1" dirty="0"/>
-          </a:p>
-          <a:p>
-            <a:r>
-              <a:rPr lang="ru-RU" i="1" dirty="0"/>
-              <a:t>6). Даны катеты прямоугольного треугольника. Найти его гипотенузу.</a:t>
-            </a:r>
-          </a:p>
-          <a:p>
-            <a:endParaRPr lang="ru-RU" i="1" dirty="0"/>
-          </a:p>
-          <a:p>
-            <a:r>
-              <a:rPr lang="ru-RU" i="1" dirty="0"/>
-              <a:t>7) Рассчитать значение </a:t>
-            </a:r>
-            <a:r>
-              <a:rPr lang="en-US" b="1" i="1" dirty="0"/>
-              <a:t>y</a:t>
-            </a:r>
-            <a:r>
-              <a:rPr lang="ru-RU" i="1" dirty="0"/>
-              <a:t>, при любых введённых значениях </a:t>
-            </a:r>
-            <a:r>
-              <a:rPr lang="ru-RU" b="1" i="1" dirty="0"/>
-              <a:t>а</a:t>
-            </a:r>
-            <a:r>
-              <a:rPr lang="ru-RU" i="1" dirty="0"/>
-              <a:t>: </a:t>
+              <a:t>Тренируемся!</a:t>
             </a:r>
           </a:p>
         </p:txBody>
@@ -8081,7 +8091,7 @@
     </p:spTree>
     <p:extLst>
       <p:ext uri="{BB962C8B-B14F-4D97-AF65-F5344CB8AC3E}">
-        <p14:creationId xmlns:p14="http://schemas.microsoft.com/office/powerpoint/2010/main" val="532668222"/>
+        <p14:creationId xmlns:p14="http://schemas.microsoft.com/office/powerpoint/2010/main" val="1815961251"/>
       </p:ext>
     </p:extLst>
   </p:cSld>
@@ -8601,6 +8611,308 @@
       </p:grpSpPr>
       <p:sp>
         <p:nvSpPr>
+          <p:cNvPr id="7" name="Номер слайда 36"/>
+          <p:cNvSpPr txBox="1">
+            <a:spLocks/>
+          </p:cNvSpPr>
+          <p:nvPr/>
+        </p:nvSpPr>
+        <p:spPr>
+          <a:xfrm>
+            <a:off x="11280576" y="6165304"/>
+            <a:ext cx="648072" cy="432048"/>
+          </a:xfrm>
+          <a:prstGeom prst="roundRect">
+            <a:avLst/>
+          </a:prstGeom>
+          <a:ln w="25400" cap="flat" cmpd="sng" algn="ctr">
+            <a:solidFill>
+              <a:schemeClr val="tx2">
+                <a:lumMod val="60000"/>
+                <a:lumOff val="40000"/>
+              </a:schemeClr>
+            </a:solidFill>
+            <a:prstDash val="solid"/>
+          </a:ln>
+        </p:spPr>
+        <p:style>
+          <a:lnRef idx="2">
+            <a:schemeClr val="accent1"/>
+          </a:lnRef>
+          <a:fillRef idx="1">
+            <a:schemeClr val="lt1"/>
+          </a:fillRef>
+          <a:effectRef idx="0">
+            <a:schemeClr val="accent1"/>
+          </a:effectRef>
+          <a:fontRef idx="minor">
+            <a:schemeClr val="dk1"/>
+          </a:fontRef>
+        </p:style>
+        <p:txBody>
+          <a:bodyPr vert="horz" lIns="91440" tIns="45720" rIns="91440" bIns="45720" rtlCol="0" anchor="ctr"/>
+          <a:lstStyle/>
+          <a:p>
+            <a:pPr algn="ctr">
+              <a:defRPr/>
+            </a:pPr>
+            <a:fld id="{6389AA22-90B4-448C-8B6B-C699140D38B9}" type="slidenum">
+              <a:rPr lang="uk-UA" sz="2400" b="1">
+                <a:solidFill>
+                  <a:schemeClr val="bg1">
+                    <a:lumMod val="50000"/>
+                  </a:schemeClr>
+                </a:solidFill>
+              </a:rPr>
+              <a:pPr algn="ctr">
+                <a:defRPr/>
+              </a:pPr>
+              <a:t>30</a:t>
+            </a:fld>
+            <a:endParaRPr lang="uk-UA" sz="2400" b="1" dirty="0">
+              <a:solidFill>
+                <a:schemeClr val="bg1">
+                  <a:lumMod val="50000"/>
+                </a:schemeClr>
+              </a:solidFill>
+            </a:endParaRPr>
+          </a:p>
+        </p:txBody>
+      </p:sp>
+      <p:sp>
+        <p:nvSpPr>
+          <p:cNvPr id="6" name="TextBox 5"/>
+          <p:cNvSpPr txBox="1"/>
+          <p:nvPr/>
+        </p:nvSpPr>
+        <p:spPr>
+          <a:xfrm>
+            <a:off x="0" y="332656"/>
+            <a:ext cx="12192000" cy="523220"/>
+          </a:xfrm>
+          <a:prstGeom prst="rect">
+            <a:avLst/>
+          </a:prstGeom>
+          <a:noFill/>
+        </p:spPr>
+        <p:txBody>
+          <a:bodyPr wrap="square" rtlCol="0">
+            <a:spAutoFit/>
+          </a:bodyPr>
+          <a:lstStyle/>
+          <a:p>
+            <a:pPr algn="ctr"/>
+            <a:r>
+              <a:rPr lang="ru-RU" sz="2800" b="1" dirty="0"/>
+              <a:t>Программирование ремесло и требует тренировки…</a:t>
+            </a:r>
+            <a:endParaRPr lang="uk-UA" sz="2800" b="1" dirty="0"/>
+          </a:p>
+        </p:txBody>
+      </p:sp>
+      <p:pic>
+        <p:nvPicPr>
+          <p:cNvPr id="1028" name="Picture 4" descr="Результат пошуку зображень за запитом programming&quot;"/>
+          <p:cNvPicPr>
+            <a:picLocks noChangeAspect="1" noChangeArrowheads="1"/>
+          </p:cNvPicPr>
+          <p:nvPr/>
+        </p:nvPicPr>
+        <p:blipFill>
+          <a:blip r:embed="rId2">
+            <a:extLst>
+              <a:ext uri="{28A0092B-C50C-407E-A947-70E740481C1C}">
+                <a14:useLocalDpi xmlns:a14="http://schemas.microsoft.com/office/drawing/2010/main" val="0"/>
+              </a:ext>
+            </a:extLst>
+          </a:blip>
+          <a:srcRect/>
+          <a:stretch>
+            <a:fillRect/>
+          </a:stretch>
+        </p:blipFill>
+        <p:spPr bwMode="auto">
+          <a:xfrm>
+            <a:off x="7715149" y="1593304"/>
+            <a:ext cx="4017684" cy="3325750"/>
+          </a:xfrm>
+          <a:prstGeom prst="rect">
+            <a:avLst/>
+          </a:prstGeom>
+          <a:ln>
+            <a:noFill/>
+          </a:ln>
+          <a:effectLst>
+            <a:outerShdw blurRad="292100" dist="139700" dir="2700000" algn="tl" rotWithShape="0">
+              <a:srgbClr val="333333">
+                <a:alpha val="65000"/>
+              </a:srgbClr>
+            </a:outerShdw>
+          </a:effectLst>
+          <a:extLst>
+            <a:ext uri="{909E8E84-426E-40DD-AFC4-6F175D3DCCD1}">
+              <a14:hiddenFill xmlns:a14="http://schemas.microsoft.com/office/drawing/2010/main">
+                <a:solidFill>
+                  <a:srgbClr val="FFFFFF"/>
+                </a:solidFill>
+              </a14:hiddenFill>
+            </a:ext>
+          </a:extLst>
+        </p:spPr>
+      </p:pic>
+      <p:pic>
+        <p:nvPicPr>
+          <p:cNvPr id="4" name="Рисунок 3"/>
+          <p:cNvPicPr>
+            <a:picLocks noChangeAspect="1"/>
+          </p:cNvPicPr>
+          <p:nvPr/>
+        </p:nvPicPr>
+        <p:blipFill rotWithShape="1">
+          <a:blip r:embed="rId3"/>
+          <a:srcRect l="6097" r="2453"/>
+          <a:stretch/>
+        </p:blipFill>
+        <p:spPr>
+          <a:xfrm>
+            <a:off x="7032104" y="5659823"/>
+            <a:ext cx="1366091" cy="975793"/>
+          </a:xfrm>
+          <a:prstGeom prst="rect">
+            <a:avLst/>
+          </a:prstGeom>
+        </p:spPr>
+      </p:pic>
+      <p:sp>
+        <p:nvSpPr>
+          <p:cNvPr id="9" name="Прямоугольник 8"/>
+          <p:cNvSpPr/>
+          <p:nvPr/>
+        </p:nvSpPr>
+        <p:spPr>
+          <a:xfrm>
+            <a:off x="695400" y="1026016"/>
+            <a:ext cx="6663164" cy="5355312"/>
+          </a:xfrm>
+          <a:prstGeom prst="rect">
+            <a:avLst/>
+          </a:prstGeom>
+        </p:spPr>
+        <p:txBody>
+          <a:bodyPr wrap="square">
+            <a:spAutoFit/>
+          </a:bodyPr>
+          <a:lstStyle/>
+          <a:p>
+            <a:r>
+              <a:rPr lang="ru-RU" i="1" dirty="0"/>
+              <a:t>1) Задаётся сторона квадрата. Найти его периметр;</a:t>
+            </a:r>
+          </a:p>
+          <a:p>
+            <a:endParaRPr lang="ru-RU" i="1" dirty="0"/>
+          </a:p>
+          <a:p>
+            <a:r>
+              <a:rPr lang="ru-RU" i="1" dirty="0"/>
+              <a:t>2) Задаётся длина ребра куба. Найти объем куба и площадь его боковой поверхности;</a:t>
+            </a:r>
+          </a:p>
+          <a:p>
+            <a:endParaRPr lang="ru-RU" i="1" dirty="0"/>
+          </a:p>
+          <a:p>
+            <a:r>
+              <a:rPr lang="ru-RU" i="1" dirty="0"/>
+              <a:t>3) Задаётся радиус окружности. Найти длину окружности и площадь круга;</a:t>
+            </a:r>
+          </a:p>
+          <a:p>
+            <a:endParaRPr lang="ru-RU" i="1" dirty="0"/>
+          </a:p>
+          <a:p>
+            <a:r>
+              <a:rPr lang="ru-RU" i="1" dirty="0"/>
+              <a:t>4) Задаются объем и масса вещества. Определить плотность материала этого вещества;</a:t>
+            </a:r>
+          </a:p>
+          <a:p>
+            <a:endParaRPr lang="ru-RU" i="1" dirty="0"/>
+          </a:p>
+          <a:p>
+            <a:r>
+              <a:rPr lang="ru-RU" i="1" dirty="0"/>
+              <a:t>5) Известны количество жителей в государстве и площадь его территории (в км2). Определить плотность населения в этом государстве.</a:t>
+            </a:r>
+          </a:p>
+          <a:p>
+            <a:endParaRPr lang="ru-RU" i="1" dirty="0"/>
+          </a:p>
+          <a:p>
+            <a:r>
+              <a:rPr lang="ru-RU" i="1" dirty="0"/>
+              <a:t>6). Даны катеты прямоугольного треугольника. Найти его гипотенузу.</a:t>
+            </a:r>
+          </a:p>
+          <a:p>
+            <a:endParaRPr lang="ru-RU" i="1" dirty="0"/>
+          </a:p>
+          <a:p>
+            <a:r>
+              <a:rPr lang="ru-RU" i="1" dirty="0"/>
+              <a:t>7) Рассчитать значение </a:t>
+            </a:r>
+            <a:r>
+              <a:rPr lang="en-US" b="1" i="1" dirty="0"/>
+              <a:t>y</a:t>
+            </a:r>
+            <a:r>
+              <a:rPr lang="ru-RU" i="1" dirty="0"/>
+              <a:t>, при любых введённых значениях </a:t>
+            </a:r>
+            <a:r>
+              <a:rPr lang="ru-RU" b="1" i="1" dirty="0"/>
+              <a:t>а</a:t>
+            </a:r>
+            <a:r>
+              <a:rPr lang="ru-RU" i="1" dirty="0"/>
+              <a:t>: </a:t>
+            </a:r>
+          </a:p>
+        </p:txBody>
+      </p:sp>
+    </p:spTree>
+    <p:extLst>
+      <p:ext uri="{BB962C8B-B14F-4D97-AF65-F5344CB8AC3E}">
+        <p14:creationId xmlns:p14="http://schemas.microsoft.com/office/powerpoint/2010/main" val="532668222"/>
+      </p:ext>
+    </p:extLst>
+  </p:cSld>
+  <p:clrMapOvr>
+    <a:masterClrMapping/>
+  </p:clrMapOvr>
+</p:sld>
+</file>
+
+<file path=ppt/slides/slide31.xml><?xml version="1.0" encoding="utf-8"?>
+<p:sld xmlns:a="http://schemas.openxmlformats.org/drawingml/2006/main" xmlns:r="http://schemas.openxmlformats.org/officeDocument/2006/relationships" xmlns:p="http://schemas.openxmlformats.org/presentationml/2006/main">
+  <p:cSld>
+    <p:spTree>
+      <p:nvGrpSpPr>
+        <p:cNvPr id="1" name=""/>
+        <p:cNvGrpSpPr/>
+        <p:nvPr/>
+      </p:nvGrpSpPr>
+      <p:grpSpPr>
+        <a:xfrm>
+          <a:off x="0" y="0"/>
+          <a:ext cx="0" cy="0"/>
+          <a:chOff x="0" y="0"/>
+          <a:chExt cx="0" cy="0"/>
+        </a:xfrm>
+      </p:grpSpPr>
+      <p:sp>
+        <p:nvSpPr>
           <p:cNvPr id="5" name="Прямоугольник 4"/>
           <p:cNvSpPr/>
           <p:nvPr/>
@@ -8661,7 +8973,7 @@
 </p:sld>
 </file>
 
-<file path=ppt/slides/slide31.xml><?xml version="1.0" encoding="utf-8"?>
+<file path=ppt/slides/slide32.xml><?xml version="1.0" encoding="utf-8"?>
 <p:sld xmlns:a="http://schemas.openxmlformats.org/drawingml/2006/main" xmlns:r="http://schemas.openxmlformats.org/officeDocument/2006/relationships" xmlns:p="http://schemas.openxmlformats.org/presentationml/2006/main">
   <p:cSld>
     <p:spTree>
